--- a/データ可視化講義.pptx
+++ b/データ可視化講義.pptx
@@ -5,10 +5,10 @@
     <p:sldMasterId id="2147483648" r:id="rId1"/>
   </p:sldMasterIdLst>
   <p:notesMasterIdLst>
-    <p:notesMasterId r:id="rId31"/>
+    <p:notesMasterId r:id="rId32"/>
   </p:notesMasterIdLst>
   <p:handoutMasterIdLst>
-    <p:handoutMasterId r:id="rId32"/>
+    <p:handoutMasterId r:id="rId33"/>
   </p:handoutMasterIdLst>
   <p:sldIdLst>
     <p:sldId id="280" r:id="rId2"/>
@@ -35,11 +35,12 @@
     <p:sldId id="267" r:id="rId23"/>
     <p:sldId id="269" r:id="rId24"/>
     <p:sldId id="268" r:id="rId25"/>
-    <p:sldId id="260" r:id="rId26"/>
-    <p:sldId id="285" r:id="rId27"/>
-    <p:sldId id="273" r:id="rId28"/>
-    <p:sldId id="270" r:id="rId29"/>
-    <p:sldId id="289" r:id="rId30"/>
+    <p:sldId id="293" r:id="rId26"/>
+    <p:sldId id="260" r:id="rId27"/>
+    <p:sldId id="285" r:id="rId28"/>
+    <p:sldId id="273" r:id="rId29"/>
+    <p:sldId id="270" r:id="rId30"/>
+    <p:sldId id="289" r:id="rId31"/>
   </p:sldIdLst>
   <p:sldSz cx="9144000" cy="6858000" type="screen4x3"/>
   <p:notesSz cx="6858000" cy="9144000"/>
@@ -175,6 +176,7 @@
             <p14:sldId id="267"/>
             <p14:sldId id="269"/>
             <p14:sldId id="268"/>
+            <p14:sldId id="293"/>
             <p14:sldId id="260"/>
             <p14:sldId id="285"/>
             <p14:sldId id="273"/>
@@ -208,7 +210,7 @@
 <file path=ppt/revisionInfo.xml><?xml version="1.0" encoding="utf-8"?>
 <p1510:revInfo xmlns:a="http://schemas.openxmlformats.org/drawingml/2006/main" xmlns:r="http://schemas.openxmlformats.org/officeDocument/2006/relationships" xmlns:p1510="http://schemas.microsoft.com/office/powerpoint/2015/10/main">
   <p1510:revLst>
-    <p1510:client id="{369E9CAC-B19A-48D2-9DAB-E4CFB2F16966}" v="258" dt="2025-09-19T11:06:52.125"/>
+    <p1510:client id="{369E9CAC-B19A-48D2-9DAB-E4CFB2F16966}" v="260" dt="2025-09-19T11:54:44.805"/>
   </p1510:revLst>
 </p1510:revInfo>
 </file>
@@ -218,7 +220,7 @@
   <pc:docChgLst>
     <pc:chgData name="李新肖" userId="3483d44f-07c2-4121-830d-c31393cfa5a3" providerId="ADAL" clId="{B52FC0D2-B578-4398-A8AC-C101D2C75B44}"/>
     <pc:docChg chg="undo custSel addSld delSld modSld sldOrd modMainMaster addSection modSection">
-      <pc:chgData name="李新肖" userId="3483d44f-07c2-4121-830d-c31393cfa5a3" providerId="ADAL" clId="{B52FC0D2-B578-4398-A8AC-C101D2C75B44}" dt="2025-09-19T11:06:52.124" v="6296" actId="571"/>
+      <pc:chgData name="李新肖" userId="3483d44f-07c2-4121-830d-c31393cfa5a3" providerId="ADAL" clId="{B52FC0D2-B578-4398-A8AC-C101D2C75B44}" dt="2025-09-19T11:57:26.812" v="6676" actId="20577"/>
       <pc:docMkLst>
         <pc:docMk/>
       </pc:docMkLst>
@@ -606,7 +608,7 @@
         </pc:sldMkLst>
       </pc:sldChg>
       <pc:sldChg chg="addSp delSp modSp add mod modNotesTx">
-        <pc:chgData name="李新肖" userId="3483d44f-07c2-4121-830d-c31393cfa5a3" providerId="ADAL" clId="{B52FC0D2-B578-4398-A8AC-C101D2C75B44}" dt="2025-09-19T10:21:39.931" v="5996" actId="207"/>
+        <pc:chgData name="李新肖" userId="3483d44f-07c2-4121-830d-c31393cfa5a3" providerId="ADAL" clId="{B52FC0D2-B578-4398-A8AC-C101D2C75B44}" dt="2025-09-19T11:52:55.382" v="6297" actId="20577"/>
         <pc:sldMkLst>
           <pc:docMk/>
           <pc:sldMk cId="3657443149" sldId="268"/>
@@ -620,7 +622,7 @@
           </ac:spMkLst>
         </pc:spChg>
         <pc:spChg chg="add del mod">
-          <ac:chgData name="李新肖" userId="3483d44f-07c2-4121-830d-c31393cfa5a3" providerId="ADAL" clId="{B52FC0D2-B578-4398-A8AC-C101D2C75B44}" dt="2025-09-19T10:21:39.931" v="5996" actId="207"/>
+          <ac:chgData name="李新肖" userId="3483d44f-07c2-4121-830d-c31393cfa5a3" providerId="ADAL" clId="{B52FC0D2-B578-4398-A8AC-C101D2C75B44}" dt="2025-09-19T11:52:55.382" v="6297" actId="20577"/>
           <ac:spMkLst>
             <pc:docMk/>
             <pc:sldMk cId="3657443149" sldId="268"/>
@@ -629,13 +631,13 @@
         </pc:spChg>
       </pc:sldChg>
       <pc:sldChg chg="modSp mod">
-        <pc:chgData name="李新肖" userId="3483d44f-07c2-4121-830d-c31393cfa5a3" providerId="ADAL" clId="{B52FC0D2-B578-4398-A8AC-C101D2C75B44}" dt="2025-09-13T14:31:44.793" v="5396" actId="20577"/>
+        <pc:chgData name="李新肖" userId="3483d44f-07c2-4121-830d-c31393cfa5a3" providerId="ADAL" clId="{B52FC0D2-B578-4398-A8AC-C101D2C75B44}" dt="2025-09-19T11:56:54.970" v="6602" actId="20577"/>
         <pc:sldMkLst>
           <pc:docMk/>
           <pc:sldMk cId="0" sldId="269"/>
         </pc:sldMkLst>
         <pc:spChg chg="mod">
-          <ac:chgData name="李新肖" userId="3483d44f-07c2-4121-830d-c31393cfa5a3" providerId="ADAL" clId="{B52FC0D2-B578-4398-A8AC-C101D2C75B44}" dt="2025-09-13T14:15:53.614" v="4902" actId="20577"/>
+          <ac:chgData name="李新肖" userId="3483d44f-07c2-4121-830d-c31393cfa5a3" providerId="ADAL" clId="{B52FC0D2-B578-4398-A8AC-C101D2C75B44}" dt="2025-09-19T11:56:54.970" v="6602" actId="20577"/>
           <ac:spMkLst>
             <pc:docMk/>
             <pc:sldMk cId="0" sldId="269"/>
@@ -643,7 +645,7 @@
           </ac:spMkLst>
         </pc:spChg>
         <pc:spChg chg="mod">
-          <ac:chgData name="李新肖" userId="3483d44f-07c2-4121-830d-c31393cfa5a3" providerId="ADAL" clId="{B52FC0D2-B578-4398-A8AC-C101D2C75B44}" dt="2025-09-13T14:31:44.793" v="5396" actId="20577"/>
+          <ac:chgData name="李新肖" userId="3483d44f-07c2-4121-830d-c31393cfa5a3" providerId="ADAL" clId="{B52FC0D2-B578-4398-A8AC-C101D2C75B44}" dt="2025-09-19T11:55:18.171" v="6448" actId="20577"/>
           <ac:spMkLst>
             <pc:docMk/>
             <pc:sldMk cId="0" sldId="269"/>
@@ -1318,6 +1320,29 @@
             <pc:docMk/>
             <pc:sldMk cId="3659226541" sldId="292"/>
             <ac:spMk id="13" creationId="{A170E840-F4DA-3743-B7A9-0518C6E5DC3C}"/>
+          </ac:spMkLst>
+        </pc:spChg>
+      </pc:sldChg>
+      <pc:sldChg chg="modSp add mod">
+        <pc:chgData name="李新肖" userId="3483d44f-07c2-4121-830d-c31393cfa5a3" providerId="ADAL" clId="{B52FC0D2-B578-4398-A8AC-C101D2C75B44}" dt="2025-09-19T11:57:26.812" v="6676" actId="20577"/>
+        <pc:sldMkLst>
+          <pc:docMk/>
+          <pc:sldMk cId="4205431507" sldId="293"/>
+        </pc:sldMkLst>
+        <pc:spChg chg="mod">
+          <ac:chgData name="李新肖" userId="3483d44f-07c2-4121-830d-c31393cfa5a3" providerId="ADAL" clId="{B52FC0D2-B578-4398-A8AC-C101D2C75B44}" dt="2025-09-19T11:56:49.315" v="6596" actId="20577"/>
+          <ac:spMkLst>
+            <pc:docMk/>
+            <pc:sldMk cId="4205431507" sldId="293"/>
+            <ac:spMk id="2" creationId="{2E7B576B-F55D-6856-A7D8-4ACB15E0FEEA}"/>
+          </ac:spMkLst>
+        </pc:spChg>
+        <pc:spChg chg="mod">
+          <ac:chgData name="李新肖" userId="3483d44f-07c2-4121-830d-c31393cfa5a3" providerId="ADAL" clId="{B52FC0D2-B578-4398-A8AC-C101D2C75B44}" dt="2025-09-19T11:57:26.812" v="6676" actId="20577"/>
+          <ac:spMkLst>
+            <pc:docMk/>
+            <pc:sldMk cId="4205431507" sldId="293"/>
+            <ac:spMk id="3" creationId="{DAFE37B6-DB3F-B7AE-6923-6F1C6D1F3823}"/>
           </ac:spMkLst>
         </pc:spChg>
       </pc:sldChg>
@@ -7224,7 +7249,13 @@
   <p:cSld>
     <p:spTree>
       <p:nvGrpSpPr>
-        <p:cNvPr id="1" name=""/>
+        <p:cNvPr id="1" name="">
+          <a:extLst>
+            <a:ext uri="{FF2B5EF4-FFF2-40B4-BE49-F238E27FC236}">
+              <a16:creationId xmlns:a16="http://schemas.microsoft.com/office/drawing/2014/main" id="{6A37E93A-BA3C-D52F-F226-646BE63D2ABB}"/>
+            </a:ext>
+          </a:extLst>
+        </p:cNvPr>
         <p:cNvGrpSpPr/>
         <p:nvPr/>
       </p:nvGrpSpPr>
@@ -7238,7 +7269,13 @@
       </p:grpSpPr>
       <p:sp>
         <p:nvSpPr>
-          <p:cNvPr id="2" name="スライド イメージ プレースホルダー 1"/>
+          <p:cNvPr id="2" name="スライド イメージ プレースホルダー 1">
+            <a:extLst>
+              <a:ext uri="{FF2B5EF4-FFF2-40B4-BE49-F238E27FC236}">
+                <a16:creationId xmlns:a16="http://schemas.microsoft.com/office/drawing/2014/main" id="{35728ABA-5ED3-B1C2-422B-C4CAA5B0951C}"/>
+              </a:ext>
+            </a:extLst>
+          </p:cNvPr>
           <p:cNvSpPr>
             <a:spLocks noGrp="1" noRot="1" noChangeAspect="1"/>
           </p:cNvSpPr>
@@ -7250,7 +7287,13 @@
       </p:sp>
       <p:sp>
         <p:nvSpPr>
-          <p:cNvPr id="3" name="ノート プレースホルダー 2"/>
+          <p:cNvPr id="3" name="ノート プレースホルダー 2">
+            <a:extLst>
+              <a:ext uri="{FF2B5EF4-FFF2-40B4-BE49-F238E27FC236}">
+                <a16:creationId xmlns:a16="http://schemas.microsoft.com/office/drawing/2014/main" id="{6A5CDF11-41C2-FC3F-F434-D518F00240E0}"/>
+              </a:ext>
+            </a:extLst>
+          </p:cNvPr>
           <p:cNvSpPr>
             <a:spLocks noGrp="1"/>
           </p:cNvSpPr>
@@ -7265,108 +7308,45 @@
           <a:p>
             <a:r>
               <a:rPr lang="ja-JP" altLang="en-US" dirty="0"/>
-              <a:t>ここでは、</a:t>
+              <a:t>よく出た発見</a:t>
             </a:r>
             <a:r>
               <a:rPr lang="en-US" altLang="ja-JP" dirty="0"/>
-              <a:t>D3.js</a:t>
+              <a:t>: </a:t>
             </a:r>
             <a:r>
               <a:rPr lang="ja-JP" altLang="en-US" dirty="0"/>
-              <a:t>以外の</a:t>
+              <a:t>通学時間が長い人ほどスマホ時間も長い？</a:t>
+            </a:r>
+          </a:p>
+          <a:p>
+            <a:r>
+              <a:rPr lang="ja-JP" altLang="en-US" dirty="0"/>
+              <a:t>改善点</a:t>
             </a:r>
             <a:r>
               <a:rPr lang="en-US" altLang="ja-JP" dirty="0"/>
-              <a:t>Web</a:t>
+              <a:t>: </a:t>
             </a:r>
             <a:r>
               <a:rPr lang="ja-JP" altLang="en-US" dirty="0"/>
-              <a:t>可視化ライブラリを見てみましょう。</a:t>
-            </a:r>
-            <a:endParaRPr lang="en-US" altLang="ja-JP" dirty="0"/>
-          </a:p>
-          <a:p>
-            <a:r>
-              <a:rPr lang="ja-JP" altLang="en-US" dirty="0"/>
-              <a:t>例えば</a:t>
-            </a:r>
-            <a:r>
-              <a:rPr lang="en-US" altLang="ja-JP" dirty="0" err="1"/>
-              <a:t>Plotly</a:t>
-            </a:r>
-            <a:r>
-              <a:rPr lang="ja-JP" altLang="en-US" dirty="0"/>
-              <a:t>や</a:t>
-            </a:r>
-            <a:r>
-              <a:rPr lang="en-US" altLang="ja-JP" dirty="0"/>
-              <a:t>Chart.js</a:t>
-            </a:r>
-            <a:r>
-              <a:rPr lang="ja-JP" altLang="en-US" dirty="0"/>
-              <a:t>などがあります。</a:t>
-            </a:r>
-            <a:endParaRPr lang="en-US" altLang="ja-JP" dirty="0"/>
-          </a:p>
-          <a:p>
-            <a:r>
-              <a:rPr lang="ja-JP" altLang="en-US" dirty="0"/>
-              <a:t>同じ棒グラフをそれぞれのライブラリで作って比較すると、表現の仕方や操作性が大きく異なることがわかります。</a:t>
-            </a:r>
-            <a:endParaRPr lang="en-US" altLang="ja-JP" dirty="0"/>
-          </a:p>
-          <a:p>
-            <a:endParaRPr lang="en-US" altLang="ja-JP" dirty="0"/>
-          </a:p>
-          <a:p>
-            <a:r>
-              <a:rPr lang="en-US" altLang="ja-JP" dirty="0"/>
-              <a:t>D3.js</a:t>
-            </a:r>
-            <a:r>
-              <a:rPr lang="ja-JP" altLang="en-US" dirty="0"/>
-              <a:t>は自由度が高い一方で、少しコード量が多くなる傾向があります。</a:t>
-            </a:r>
-            <a:endParaRPr lang="en-US" altLang="ja-JP" dirty="0"/>
-          </a:p>
-          <a:p>
-            <a:r>
-              <a:rPr lang="ja-JP" altLang="en-US" dirty="0"/>
-              <a:t>逆に</a:t>
-            </a:r>
-            <a:r>
-              <a:rPr lang="en-US" altLang="ja-JP" dirty="0"/>
-              <a:t>Chart.js</a:t>
-            </a:r>
-            <a:r>
-              <a:rPr lang="ja-JP" altLang="en-US" dirty="0"/>
-              <a:t>や</a:t>
-            </a:r>
-            <a:r>
-              <a:rPr lang="en-US" altLang="ja-JP" dirty="0" err="1"/>
-              <a:t>Plotly</a:t>
-            </a:r>
-            <a:r>
-              <a:rPr lang="ja-JP" altLang="en-US" dirty="0"/>
-              <a:t>は手軽に始められますが、カスタマイズ性はやや限定的です。</a:t>
-            </a:r>
-            <a:endParaRPr lang="en-US" altLang="ja-JP" dirty="0"/>
-          </a:p>
-          <a:p>
-            <a:endParaRPr lang="en-US" altLang="ja-JP" dirty="0"/>
-          </a:p>
-          <a:p>
-            <a:r>
-              <a:rPr lang="ja-JP" altLang="en-US" dirty="0"/>
-              <a:t>用途や目的に合わせて選ぶことが大切です。</a:t>
-            </a:r>
+              <a:t>軸ラベルや色・サイズの工夫</a:t>
+            </a:r>
+          </a:p>
+          <a:p>
             <a:endParaRPr kumimoji="1" lang="ja-JP" altLang="en-US" dirty="0"/>
           </a:p>
         </p:txBody>
       </p:sp>
       <p:sp>
         <p:nvSpPr>
-          <p:cNvPr id="4" name="スライド番号プレースホルダー 3"/>
+          <p:cNvPr id="4" name="スライド番号プレースホルダー 3">
+            <a:extLst>
+              <a:ext uri="{FF2B5EF4-FFF2-40B4-BE49-F238E27FC236}">
+                <a16:creationId xmlns:a16="http://schemas.microsoft.com/office/drawing/2014/main" id="{40DB0F1E-2DC9-FE47-0600-DD03018DE517}"/>
+              </a:ext>
+            </a:extLst>
+          </p:cNvPr>
           <p:cNvSpPr>
             <a:spLocks noGrp="1"/>
           </p:cNvSpPr>
@@ -7390,7 +7370,7 @@
     </p:spTree>
     <p:extLst>
       <p:ext uri="{BB962C8B-B14F-4D97-AF65-F5344CB8AC3E}">
-        <p14:creationId xmlns:p14="http://schemas.microsoft.com/office/powerpoint/2010/main" val="2399730016"/>
+        <p14:creationId xmlns:p14="http://schemas.microsoft.com/office/powerpoint/2010/main" val="2147199255"/>
       </p:ext>
     </p:extLst>
   </p:cSld>
@@ -7446,41 +7426,100 @@
           <a:p>
             <a:r>
               <a:rPr lang="ja-JP" altLang="en-US" dirty="0"/>
-              <a:t>今日のまとめです。データ可視化は、データを理解し、意思決定やコミュニケーションを助けるために不可欠な技術です。</a:t>
-            </a:r>
-            <a:endParaRPr lang="en-US" altLang="ja-JP" dirty="0"/>
-          </a:p>
-          <a:p>
+              <a:t>ここでは、</a:t>
+            </a:r>
+            <a:r>
+              <a:rPr lang="en-US" altLang="ja-JP" dirty="0"/>
+              <a:t>D3.js</a:t>
+            </a:r>
+            <a:r>
+              <a:rPr lang="ja-JP" altLang="en-US" dirty="0"/>
+              <a:t>以外の</a:t>
+            </a:r>
             <a:r>
               <a:rPr lang="en-US" altLang="ja-JP" dirty="0"/>
               <a:t>Web</a:t>
             </a:r>
             <a:r>
               <a:rPr lang="ja-JP" altLang="en-US" dirty="0"/>
-              <a:t>と</a:t>
-            </a:r>
+              <a:t>可視化ライブラリを見てみましょう。</a:t>
+            </a:r>
+            <a:endParaRPr lang="en-US" altLang="ja-JP" dirty="0"/>
+          </a:p>
+          <a:p>
+            <a:r>
+              <a:rPr lang="ja-JP" altLang="en-US" dirty="0"/>
+              <a:t>例えば</a:t>
+            </a:r>
+            <a:r>
+              <a:rPr lang="en-US" altLang="ja-JP" dirty="0" err="1"/>
+              <a:t>Plotly</a:t>
+            </a:r>
+            <a:r>
+              <a:rPr lang="ja-JP" altLang="en-US" dirty="0"/>
+              <a:t>や</a:t>
+            </a:r>
+            <a:r>
+              <a:rPr lang="en-US" altLang="ja-JP" dirty="0"/>
+              <a:t>Chart.js</a:t>
+            </a:r>
+            <a:r>
+              <a:rPr lang="ja-JP" altLang="en-US" dirty="0"/>
+              <a:t>などがあります。</a:t>
+            </a:r>
+            <a:endParaRPr lang="en-US" altLang="ja-JP" dirty="0"/>
+          </a:p>
+          <a:p>
+            <a:r>
+              <a:rPr lang="ja-JP" altLang="en-US" dirty="0"/>
+              <a:t>同じ棒グラフをそれぞれのライブラリで作って比較すると、表現の仕方や操作性が大きく異なることがわかります。</a:t>
+            </a:r>
+            <a:endParaRPr lang="en-US" altLang="ja-JP" dirty="0"/>
+          </a:p>
+          <a:p>
+            <a:endParaRPr lang="en-US" altLang="ja-JP" dirty="0"/>
+          </a:p>
+          <a:p>
             <a:r>
               <a:rPr lang="en-US" altLang="ja-JP" dirty="0"/>
               <a:t>D3.js</a:t>
             </a:r>
             <a:r>
               <a:rPr lang="ja-JP" altLang="en-US" dirty="0"/>
-              <a:t>を使うことで、インタラクティブで動的な可視化が可能になります。</a:t>
+              <a:t>は自由度が高い一方で、少しコード量が多くなる傾向があります。</a:t>
             </a:r>
             <a:endParaRPr lang="en-US" altLang="ja-JP" dirty="0"/>
           </a:p>
           <a:p>
             <a:r>
               <a:rPr lang="ja-JP" altLang="en-US" dirty="0"/>
-              <a:t>さらに生成</a:t>
+              <a:t>逆に</a:t>
             </a:r>
             <a:r>
               <a:rPr lang="en-US" altLang="ja-JP" dirty="0"/>
-              <a:t>AI</a:t>
+              <a:t>Chart.js</a:t>
             </a:r>
             <a:r>
               <a:rPr lang="ja-JP" altLang="en-US" dirty="0"/>
-              <a:t>を組み合わせれば、より簡単に、そしてより豊かな可視化を実現することができます。</a:t>
+              <a:t>や</a:t>
+            </a:r>
+            <a:r>
+              <a:rPr lang="en-US" altLang="ja-JP" dirty="0" err="1"/>
+              <a:t>Plotly</a:t>
+            </a:r>
+            <a:r>
+              <a:rPr lang="ja-JP" altLang="en-US" dirty="0"/>
+              <a:t>は手軽に始められますが、カスタマイズ性はやや限定的です。</a:t>
+            </a:r>
+            <a:endParaRPr lang="en-US" altLang="ja-JP" dirty="0"/>
+          </a:p>
+          <a:p>
+            <a:endParaRPr lang="en-US" altLang="ja-JP" dirty="0"/>
+          </a:p>
+          <a:p>
+            <a:r>
+              <a:rPr lang="ja-JP" altLang="en-US" dirty="0"/>
+              <a:t>用途や目的に合わせて選ぶことが大切です。</a:t>
             </a:r>
             <a:endParaRPr kumimoji="1" lang="ja-JP" altLang="en-US" dirty="0"/>
           </a:p>
@@ -7503,7 +7542,7 @@
           <a:p>
             <a:fld id="{AD93EF3C-C12F-4DE6-B775-540CF708D303}" type="slidenum">
               <a:rPr kumimoji="1" lang="ja-JP" altLang="en-US" smtClean="0"/>
-              <a:t>28</a:t>
+              <a:t>26</a:t>
             </a:fld>
             <a:endParaRPr kumimoji="1" lang="ja-JP" altLang="en-US"/>
           </a:p>
@@ -7512,7 +7551,7 @@
     </p:spTree>
     <p:extLst>
       <p:ext uri="{BB962C8B-B14F-4D97-AF65-F5344CB8AC3E}">
-        <p14:creationId xmlns:p14="http://schemas.microsoft.com/office/powerpoint/2010/main" val="2280535019"/>
+        <p14:creationId xmlns:p14="http://schemas.microsoft.com/office/powerpoint/2010/main" val="2399730016"/>
       </p:ext>
     </p:extLst>
   </p:cSld>
@@ -7568,37 +7607,33 @@
           <a:p>
             <a:r>
               <a:rPr lang="ja-JP" altLang="en-US" dirty="0"/>
-              <a:t>最後に課題です。</a:t>
-            </a:r>
-            <a:r>
-              <a:rPr kumimoji="1" lang="en-US" altLang="ja-JP" sz="1200" kern="1200" dirty="0">
-                <a:solidFill>
-                  <a:schemeClr val="tx1"/>
-                </a:solidFill>
-                <a:latin typeface="+mn-lt"/>
-                <a:ea typeface="+mn-ea"/>
-                <a:cs typeface="+mn-cs"/>
-              </a:rPr>
-              <a:t>students_data.csv</a:t>
+              <a:t>今日のまとめです。データ可視化は、データを理解し、意思決定やコミュニケーションを助けるために不可欠な技術です。</a:t>
+            </a:r>
+            <a:endParaRPr lang="en-US" altLang="ja-JP" dirty="0"/>
+          </a:p>
+          <a:p>
+            <a:r>
+              <a:rPr lang="en-US" altLang="ja-JP" dirty="0"/>
+              <a:t>Web</a:t>
             </a:r>
             <a:r>
               <a:rPr lang="ja-JP" altLang="en-US" dirty="0"/>
-              <a:t>を使って、勉強時間、睡眠時間、スマホ利用時間、そしてテストの得点を同時に表示するパラレル座標プロットを作ってください。</a:t>
+              <a:t>と</a:t>
+            </a:r>
+            <a:r>
+              <a:rPr lang="en-US" altLang="ja-JP" dirty="0"/>
+              <a:t>D3.js</a:t>
+            </a:r>
+            <a:r>
+              <a:rPr lang="ja-JP" altLang="en-US" dirty="0"/>
+              <a:t>を使うことで、インタラクティブで動的な可視化が可能になります。</a:t>
             </a:r>
             <a:endParaRPr lang="en-US" altLang="ja-JP" dirty="0"/>
           </a:p>
           <a:p>
             <a:r>
               <a:rPr lang="ja-JP" altLang="en-US" dirty="0"/>
-              <a:t>その上で、</a:t>
-            </a:r>
-            <a:r>
-              <a:rPr lang="ja-JP" altLang="en-US" b="1" dirty="0"/>
-              <a:t>データのトレンドについて気づいたこと</a:t>
-            </a:r>
-            <a:r>
-              <a:rPr lang="ja-JP" altLang="en-US" dirty="0"/>
-              <a:t>をメモします。生成</a:t>
+              <a:t>さらに生成</a:t>
             </a:r>
             <a:r>
               <a:rPr lang="en-US" altLang="ja-JP" dirty="0"/>
@@ -7606,22 +7641,7 @@
             </a:r>
             <a:r>
               <a:rPr lang="ja-JP" altLang="en-US" dirty="0"/>
-              <a:t>を使って可視化や説明を作っても構いません。</a:t>
-            </a:r>
-            <a:endParaRPr lang="en-US" altLang="ja-JP" dirty="0"/>
-          </a:p>
-          <a:p>
-            <a:r>
-              <a:rPr lang="ja-JP" altLang="en-US" dirty="0"/>
-              <a:t>提出は</a:t>
-            </a:r>
-            <a:r>
-              <a:rPr lang="en-US" altLang="ja-JP" dirty="0"/>
-              <a:t>Moodle</a:t>
-            </a:r>
-            <a:r>
-              <a:rPr lang="ja-JP" altLang="en-US" dirty="0"/>
-              <a:t>でお願いします。</a:t>
+              <a:t>を組み合わせれば、より簡単に、そしてより豊かな可視化を実現することができます。</a:t>
             </a:r>
             <a:endParaRPr kumimoji="1" lang="ja-JP" altLang="en-US" dirty="0"/>
           </a:p>
@@ -7642,9 +7662,150 @@
           <a:bodyPr/>
           <a:lstStyle/>
           <a:p>
+            <a:fld id="{AD93EF3C-C12F-4DE6-B775-540CF708D303}" type="slidenum">
+              <a:rPr kumimoji="1" lang="ja-JP" altLang="en-US" smtClean="0"/>
+              <a:t>29</a:t>
+            </a:fld>
+            <a:endParaRPr kumimoji="1" lang="ja-JP" altLang="en-US"/>
+          </a:p>
+        </p:txBody>
+      </p:sp>
+    </p:spTree>
+    <p:extLst>
+      <p:ext uri="{BB962C8B-B14F-4D97-AF65-F5344CB8AC3E}">
+        <p14:creationId xmlns:p14="http://schemas.microsoft.com/office/powerpoint/2010/main" val="2280535019"/>
+      </p:ext>
+    </p:extLst>
+  </p:cSld>
+  <p:clrMapOvr>
+    <a:masterClrMapping/>
+  </p:clrMapOvr>
+</p:notes>
+</file>
+
+<file path=ppt/notesSlides/notesSlide28.xml><?xml version="1.0" encoding="utf-8"?>
+<p:notes xmlns:a="http://schemas.openxmlformats.org/drawingml/2006/main" xmlns:r="http://schemas.openxmlformats.org/officeDocument/2006/relationships" xmlns:p="http://schemas.openxmlformats.org/presentationml/2006/main">
+  <p:cSld>
+    <p:spTree>
+      <p:nvGrpSpPr>
+        <p:cNvPr id="1" name=""/>
+        <p:cNvGrpSpPr/>
+        <p:nvPr/>
+      </p:nvGrpSpPr>
+      <p:grpSpPr>
+        <a:xfrm>
+          <a:off x="0" y="0"/>
+          <a:ext cx="0" cy="0"/>
+          <a:chOff x="0" y="0"/>
+          <a:chExt cx="0" cy="0"/>
+        </a:xfrm>
+      </p:grpSpPr>
+      <p:sp>
+        <p:nvSpPr>
+          <p:cNvPr id="2" name="スライド イメージ プレースホルダー 1"/>
+          <p:cNvSpPr>
+            <a:spLocks noGrp="1" noRot="1" noChangeAspect="1"/>
+          </p:cNvSpPr>
+          <p:nvPr>
+            <p:ph type="sldImg"/>
+          </p:nvPr>
+        </p:nvSpPr>
+        <p:spPr/>
+      </p:sp>
+      <p:sp>
+        <p:nvSpPr>
+          <p:cNvPr id="3" name="ノート プレースホルダー 2"/>
+          <p:cNvSpPr>
+            <a:spLocks noGrp="1"/>
+          </p:cNvSpPr>
+          <p:nvPr>
+            <p:ph type="body" idx="1"/>
+          </p:nvPr>
+        </p:nvSpPr>
+        <p:spPr/>
+        <p:txBody>
+          <a:bodyPr/>
+          <a:lstStyle/>
+          <a:p>
+            <a:r>
+              <a:rPr lang="ja-JP" altLang="en-US" dirty="0"/>
+              <a:t>最後に課題です。</a:t>
+            </a:r>
+            <a:r>
+              <a:rPr kumimoji="1" lang="en-US" altLang="ja-JP" sz="1200" kern="1200" dirty="0">
+                <a:solidFill>
+                  <a:schemeClr val="tx1"/>
+                </a:solidFill>
+                <a:latin typeface="+mn-lt"/>
+                <a:ea typeface="+mn-ea"/>
+                <a:cs typeface="+mn-cs"/>
+              </a:rPr>
+              <a:t>students_data.csv</a:t>
+            </a:r>
+            <a:r>
+              <a:rPr lang="ja-JP" altLang="en-US" dirty="0"/>
+              <a:t>を使って、勉強時間、睡眠時間、スマホ利用時間、そしてテストの得点を同時に表示するパラレル座標プロットを作ってください。</a:t>
+            </a:r>
+            <a:endParaRPr lang="en-US" altLang="ja-JP" dirty="0"/>
+          </a:p>
+          <a:p>
+            <a:r>
+              <a:rPr lang="ja-JP" altLang="en-US" dirty="0"/>
+              <a:t>その上で、</a:t>
+            </a:r>
+            <a:r>
+              <a:rPr lang="ja-JP" altLang="en-US" b="1" dirty="0"/>
+              <a:t>データのトレンドについて気づいたこと</a:t>
+            </a:r>
+            <a:r>
+              <a:rPr lang="ja-JP" altLang="en-US" dirty="0"/>
+              <a:t>をメモします。生成</a:t>
+            </a:r>
+            <a:r>
+              <a:rPr lang="en-US" altLang="ja-JP" dirty="0"/>
+              <a:t>AI</a:t>
+            </a:r>
+            <a:r>
+              <a:rPr lang="ja-JP" altLang="en-US" dirty="0"/>
+              <a:t>を使って可視化や説明を作っても構いません。</a:t>
+            </a:r>
+            <a:endParaRPr lang="en-US" altLang="ja-JP" dirty="0"/>
+          </a:p>
+          <a:p>
+            <a:r>
+              <a:rPr lang="ja-JP" altLang="en-US" dirty="0"/>
+              <a:t>提出は</a:t>
+            </a:r>
+            <a:r>
+              <a:rPr lang="en-US" altLang="ja-JP" dirty="0"/>
+              <a:t>Moodle</a:t>
+            </a:r>
+            <a:r>
+              <a:rPr lang="ja-JP" altLang="en-US" dirty="0"/>
+              <a:t>でお願いします。</a:t>
+            </a:r>
+            <a:endParaRPr kumimoji="1" lang="ja-JP" altLang="en-US" dirty="0"/>
+          </a:p>
+        </p:txBody>
+      </p:sp>
+      <p:sp>
+        <p:nvSpPr>
+          <p:cNvPr id="4" name="スライド番号プレースホルダー 3"/>
+          <p:cNvSpPr>
+            <a:spLocks noGrp="1"/>
+          </p:cNvSpPr>
+          <p:nvPr>
+            <p:ph type="sldNum" sz="quarter" idx="5"/>
+          </p:nvPr>
+        </p:nvSpPr>
+        <p:spPr/>
+        <p:txBody>
+          <a:bodyPr/>
+          <a:lstStyle/>
+          <a:p>
             <a:fld id="{827539FF-9480-4483-937C-C3698EDE996D}" type="slidenum">
               <a:rPr kumimoji="1" lang="ja-JP" altLang="en-US" smtClean="0"/>
-              <a:t>29</a:t>
+              <a:t>30</a:t>
             </a:fld>
             <a:endParaRPr kumimoji="1" lang="ja-JP" altLang="en-US"/>
           </a:p>
@@ -19754,6 +19915,10 @@
               <a:rPr dirty="0" err="1"/>
               <a:t>共有</a:t>
             </a:r>
+            <a:r>
+              <a:rPr lang="ja-JP" altLang="en-US" dirty="0"/>
+              <a:t>①</a:t>
+            </a:r>
             <a:endParaRPr dirty="0"/>
           </a:p>
         </p:txBody>
@@ -19792,8 +19957,20 @@
           <a:p>
             <a:pPr lvl="1"/>
             <a:r>
+              <a:rPr dirty="0"/>
+              <a:t>どんな</a:t>
+            </a:r>
+            <a:r>
+              <a:rPr lang="en-US" altLang="ja-JP" dirty="0"/>
+              <a:t>D3.js</a:t>
+            </a:r>
+            <a:r>
+              <a:rPr lang="ja-JP" altLang="en-US" dirty="0"/>
+              <a:t>関数</a:t>
+            </a:r>
+            <a:r>
               <a:rPr dirty="0" err="1"/>
-              <a:t>どんなデータを使ったか</a:t>
+              <a:t>を使ったか</a:t>
             </a:r>
             <a:r>
               <a:rPr dirty="0"/>
@@ -19829,8 +20006,12 @@
           <a:p>
             <a:pPr lvl="1"/>
             <a:r>
+              <a:rPr lang="en-US" altLang="ja-JP" dirty="0"/>
+              <a:t>D3.js</a:t>
+            </a:r>
+            <a:r>
               <a:rPr lang="ja-JP" altLang="en-US" dirty="0"/>
-              <a:t>「図」と「わかったこと」。</a:t>
+              <a:t>可視化と散布図で「わかったこと」。</a:t>
             </a:r>
             <a:endParaRPr lang="en-US" altLang="ja-JP" dirty="0"/>
           </a:p>
@@ -20032,21 +20213,6 @@
             <a:pPr lvl="1"/>
             <a:endParaRPr lang="en-US" altLang="ja-JP" sz="2000" dirty="0"/>
           </a:p>
-          <a:p>
-            <a:r>
-              <a:rPr lang="ja-JP" altLang="en-US" sz="2400" dirty="0"/>
-              <a:t>棒グラフも同じような手順で結果を</a:t>
-            </a:r>
-            <a:r>
-              <a:rPr lang="en-US" altLang="ja-JP" sz="2400" dirty="0"/>
-              <a:t>AI</a:t>
-            </a:r>
-            <a:r>
-              <a:rPr lang="ja-JP" altLang="en-US" sz="2400" dirty="0"/>
-              <a:t>で生成。</a:t>
-            </a:r>
-            <a:endParaRPr lang="en-US" altLang="ja-JP" sz="2400" dirty="0"/>
-          </a:p>
         </p:txBody>
       </p:sp>
     </p:spTree>
@@ -20063,6 +20229,200 @@
 </file>
 
 <file path=ppt/slides/slide25.xml><?xml version="1.0" encoding="utf-8"?>
+<p:sld xmlns:a="http://schemas.openxmlformats.org/drawingml/2006/main" xmlns:r="http://schemas.openxmlformats.org/officeDocument/2006/relationships" xmlns:p="http://schemas.openxmlformats.org/presentationml/2006/main">
+  <p:cSld>
+    <p:spTree>
+      <p:nvGrpSpPr>
+        <p:cNvPr id="1" name="">
+          <a:extLst>
+            <a:ext uri="{FF2B5EF4-FFF2-40B4-BE49-F238E27FC236}">
+              <a16:creationId xmlns:a16="http://schemas.microsoft.com/office/drawing/2014/main" id="{E99BEBA2-487C-BA02-027E-236C423E3C94}"/>
+            </a:ext>
+          </a:extLst>
+        </p:cNvPr>
+        <p:cNvGrpSpPr/>
+        <p:nvPr/>
+      </p:nvGrpSpPr>
+      <p:grpSpPr>
+        <a:xfrm>
+          <a:off x="0" y="0"/>
+          <a:ext cx="0" cy="0"/>
+          <a:chOff x="0" y="0"/>
+          <a:chExt cx="0" cy="0"/>
+        </a:xfrm>
+      </p:grpSpPr>
+      <p:sp>
+        <p:nvSpPr>
+          <p:cNvPr id="2" name="Title 1">
+            <a:extLst>
+              <a:ext uri="{FF2B5EF4-FFF2-40B4-BE49-F238E27FC236}">
+                <a16:creationId xmlns:a16="http://schemas.microsoft.com/office/drawing/2014/main" id="{2E7B576B-F55D-6856-A7D8-4ACB15E0FEEA}"/>
+              </a:ext>
+            </a:extLst>
+          </p:cNvPr>
+          <p:cNvSpPr>
+            <a:spLocks noGrp="1"/>
+          </p:cNvSpPr>
+          <p:nvPr>
+            <p:ph type="title"/>
+          </p:nvPr>
+        </p:nvSpPr>
+        <p:spPr/>
+        <p:txBody>
+          <a:bodyPr>
+            <a:normAutofit/>
+          </a:bodyPr>
+          <a:lstStyle/>
+          <a:p>
+            <a:r>
+              <a:rPr lang="ja-JP" altLang="en-US" dirty="0"/>
+              <a:t>生成</a:t>
+            </a:r>
+            <a:r>
+              <a:rPr lang="en-US" altLang="ja-JP" dirty="0"/>
+              <a:t>AI</a:t>
+            </a:r>
+            <a:r>
+              <a:rPr lang="ja-JP" altLang="en-US" dirty="0"/>
+              <a:t>で可視化の発見を</a:t>
+            </a:r>
+            <a:r>
+              <a:rPr dirty="0" err="1"/>
+              <a:t>共有</a:t>
+            </a:r>
+            <a:r>
+              <a:rPr lang="ja-JP" altLang="en-US" dirty="0"/>
+              <a:t>②</a:t>
+            </a:r>
+            <a:endParaRPr dirty="0"/>
+          </a:p>
+        </p:txBody>
+      </p:sp>
+      <p:sp>
+        <p:nvSpPr>
+          <p:cNvPr id="3" name="Content Placeholder 2">
+            <a:extLst>
+              <a:ext uri="{FF2B5EF4-FFF2-40B4-BE49-F238E27FC236}">
+                <a16:creationId xmlns:a16="http://schemas.microsoft.com/office/drawing/2014/main" id="{DAFE37B6-DB3F-B7AE-6923-6F1C6D1F3823}"/>
+              </a:ext>
+            </a:extLst>
+          </p:cNvPr>
+          <p:cNvSpPr>
+            <a:spLocks noGrp="1"/>
+          </p:cNvSpPr>
+          <p:nvPr>
+            <p:ph idx="1"/>
+          </p:nvPr>
+        </p:nvSpPr>
+        <p:spPr>
+          <a:xfrm>
+            <a:off x="457200" y="1869141"/>
+            <a:ext cx="8229600" cy="4257022"/>
+          </a:xfrm>
+        </p:spPr>
+        <p:txBody>
+          <a:bodyPr>
+            <a:normAutofit/>
+          </a:bodyPr>
+          <a:lstStyle/>
+          <a:p>
+            <a:r>
+              <a:rPr dirty="0" err="1"/>
+              <a:t>隣の人に説明</a:t>
+            </a:r>
+            <a:r>
+              <a:rPr dirty="0"/>
+              <a:t>:</a:t>
+            </a:r>
+          </a:p>
+          <a:p>
+            <a:pPr lvl="1"/>
+            <a:r>
+              <a:rPr lang="ja-JP" altLang="en-US" dirty="0"/>
+              <a:t>生成</a:t>
+            </a:r>
+            <a:r>
+              <a:rPr lang="en-US" altLang="ja-JP" dirty="0"/>
+              <a:t>AI</a:t>
+            </a:r>
+            <a:r>
+              <a:rPr lang="ja-JP" altLang="en-US" dirty="0"/>
+              <a:t>は可視化で</a:t>
+            </a:r>
+            <a:r>
+              <a:rPr dirty="0"/>
+              <a:t>使</a:t>
+            </a:r>
+            <a:r>
+              <a:rPr lang="ja-JP" altLang="en-US" dirty="0"/>
+              <a:t>えるか</a:t>
+            </a:r>
+            <a:r>
+              <a:rPr dirty="0"/>
+              <a:t>？</a:t>
+            </a:r>
+          </a:p>
+          <a:p>
+            <a:pPr lvl="1"/>
+            <a:r>
+              <a:rPr lang="ja-JP" altLang="en-US" dirty="0"/>
+              <a:t>生成</a:t>
+            </a:r>
+            <a:r>
+              <a:rPr lang="en-US" altLang="ja-JP" dirty="0"/>
+              <a:t>AI</a:t>
+            </a:r>
+            <a:r>
+              <a:rPr lang="ja-JP" altLang="en-US" dirty="0"/>
+              <a:t>での解釈は納得する</a:t>
+            </a:r>
+            <a:r>
+              <a:rPr dirty="0"/>
+              <a:t>か？</a:t>
+            </a:r>
+            <a:r>
+              <a:rPr lang="ja-JP" altLang="en-US" dirty="0"/>
+              <a:t>（メモ）</a:t>
+            </a:r>
+            <a:endParaRPr lang="en-US" altLang="ja-JP" dirty="0"/>
+          </a:p>
+          <a:p>
+            <a:pPr marL="457200" lvl="1" indent="0">
+              <a:buNone/>
+            </a:pPr>
+            <a:endParaRPr lang="en-US" dirty="0"/>
+          </a:p>
+          <a:p>
+            <a:r>
+              <a:rPr lang="ja-JP" altLang="en-US" dirty="0"/>
+              <a:t>①と②を纏めて提出（</a:t>
+            </a:r>
+            <a:r>
+              <a:rPr lang="en-US" altLang="ja-JP" dirty="0"/>
+              <a:t>Word</a:t>
+            </a:r>
+            <a:r>
+              <a:rPr lang="ja-JP" altLang="en-US" dirty="0"/>
+              <a:t>でまとめる）。</a:t>
+            </a:r>
+            <a:endParaRPr dirty="0"/>
+          </a:p>
+        </p:txBody>
+      </p:sp>
+    </p:spTree>
+    <p:extLst>
+      <p:ext uri="{BB962C8B-B14F-4D97-AF65-F5344CB8AC3E}">
+        <p14:creationId xmlns:p14="http://schemas.microsoft.com/office/powerpoint/2010/main" val="4205431507"/>
+      </p:ext>
+    </p:extLst>
+  </p:cSld>
+  <p:clrMapOvr>
+    <a:masterClrMapping/>
+  </p:clrMapOvr>
+</p:sld>
+</file>
+
+<file path=ppt/slides/slide26.xml><?xml version="1.0" encoding="utf-8"?>
 <p:sld xmlns:a="http://schemas.openxmlformats.org/drawingml/2006/main" xmlns:r="http://schemas.openxmlformats.org/officeDocument/2006/relationships" xmlns:p="http://schemas.openxmlformats.org/presentationml/2006/main">
   <p:cSld>
     <p:spTree>
@@ -22010,7 +22370,7 @@
 </p:sld>
 </file>
 
-<file path=ppt/slides/slide26.xml><?xml version="1.0" encoding="utf-8"?>
+<file path=ppt/slides/slide27.xml><?xml version="1.0" encoding="utf-8"?>
 <p:sld xmlns:a="http://schemas.openxmlformats.org/drawingml/2006/main" xmlns:r="http://schemas.openxmlformats.org/officeDocument/2006/relationships" xmlns:p="http://schemas.openxmlformats.org/presentationml/2006/main">
   <p:cSld>
     <p:spTree>
@@ -22440,7 +22800,7 @@
 </p:sld>
 </file>
 
-<file path=ppt/slides/slide27.xml><?xml version="1.0" encoding="utf-8"?>
+<file path=ppt/slides/slide28.xml><?xml version="1.0" encoding="utf-8"?>
 <p:sld xmlns:a="http://schemas.openxmlformats.org/drawingml/2006/main" xmlns:r="http://schemas.openxmlformats.org/officeDocument/2006/relationships" xmlns:p="http://schemas.openxmlformats.org/presentationml/2006/main">
   <p:cSld>
     <p:spTree>
@@ -22733,125 +23093,6 @@
 </p:sld>
 </file>
 
-<file path=ppt/slides/slide28.xml><?xml version="1.0" encoding="utf-8"?>
-<p:sld xmlns:a="http://schemas.openxmlformats.org/drawingml/2006/main" xmlns:r="http://schemas.openxmlformats.org/officeDocument/2006/relationships" xmlns:p="http://schemas.openxmlformats.org/presentationml/2006/main">
-  <p:cSld>
-    <p:spTree>
-      <p:nvGrpSpPr>
-        <p:cNvPr id="1" name=""/>
-        <p:cNvGrpSpPr/>
-        <p:nvPr/>
-      </p:nvGrpSpPr>
-      <p:grpSpPr>
-        <a:xfrm>
-          <a:off x="0" y="0"/>
-          <a:ext cx="0" cy="0"/>
-          <a:chOff x="0" y="0"/>
-          <a:chExt cx="0" cy="0"/>
-        </a:xfrm>
-      </p:grpSpPr>
-      <p:sp>
-        <p:nvSpPr>
-          <p:cNvPr id="2" name="Title 1"/>
-          <p:cNvSpPr>
-            <a:spLocks noGrp="1"/>
-          </p:cNvSpPr>
-          <p:nvPr>
-            <p:ph type="title"/>
-          </p:nvPr>
-        </p:nvSpPr>
-        <p:spPr/>
-        <p:txBody>
-          <a:bodyPr/>
-          <a:lstStyle/>
-          <a:p>
-            <a:r>
-              <a:t>全体共有とまとめ</a:t>
-            </a:r>
-          </a:p>
-        </p:txBody>
-      </p:sp>
-      <p:sp>
-        <p:nvSpPr>
-          <p:cNvPr id="3" name="Content Placeholder 2"/>
-          <p:cNvSpPr>
-            <a:spLocks noGrp="1"/>
-          </p:cNvSpPr>
-          <p:nvPr>
-            <p:ph idx="1"/>
-          </p:nvPr>
-        </p:nvSpPr>
-        <p:spPr/>
-        <p:txBody>
-          <a:bodyPr/>
-          <a:lstStyle/>
-          <a:p>
-            <a:r>
-              <a:rPr lang="ja-JP" altLang="en-US" dirty="0">
-                <a:latin typeface="+mn-ea"/>
-              </a:rPr>
-              <a:t>データ可視化の意義</a:t>
-            </a:r>
-            <a:endParaRPr lang="en-US" altLang="ja-JP" dirty="0">
-              <a:latin typeface="+mn-ea"/>
-            </a:endParaRPr>
-          </a:p>
-          <a:p>
-            <a:r>
-              <a:rPr lang="en-US" altLang="ja-JP" dirty="0">
-                <a:latin typeface="+mn-ea"/>
-              </a:rPr>
-              <a:t>D3.js</a:t>
-            </a:r>
-            <a:r>
-              <a:rPr lang="ja-JP" altLang="en-US" dirty="0">
-                <a:latin typeface="+mn-ea"/>
-              </a:rPr>
-              <a:t>でデータ可視化の基本</a:t>
-            </a:r>
-            <a:endParaRPr lang="en-US" altLang="ja-JP" dirty="0">
-              <a:latin typeface="+mn-ea"/>
-            </a:endParaRPr>
-          </a:p>
-          <a:p>
-            <a:r>
-              <a:rPr lang="ja-JP" altLang="en-US" dirty="0">
-                <a:latin typeface="+mn-ea"/>
-              </a:rPr>
-              <a:t>生成</a:t>
-            </a:r>
-            <a:r>
-              <a:rPr lang="en-US" altLang="ja-JP" dirty="0">
-                <a:latin typeface="+mn-ea"/>
-              </a:rPr>
-              <a:t>AI</a:t>
-            </a:r>
-            <a:r>
-              <a:rPr lang="ja-JP" altLang="en-US" dirty="0">
-                <a:latin typeface="+mn-ea"/>
-              </a:rPr>
-              <a:t>でのデータ可視化</a:t>
-            </a:r>
-            <a:endParaRPr lang="en-US" altLang="ja-JP" dirty="0">
-              <a:latin typeface="+mn-ea"/>
-            </a:endParaRPr>
-          </a:p>
-          <a:p>
-            <a:pPr marL="0" indent="0">
-              <a:buNone/>
-            </a:pPr>
-            <a:endParaRPr dirty="0"/>
-          </a:p>
-        </p:txBody>
-      </p:sp>
-    </p:spTree>
-  </p:cSld>
-  <p:clrMapOvr>
-    <a:masterClrMapping/>
-  </p:clrMapOvr>
-</p:sld>
-</file>
-
 <file path=ppt/slides/slide29.xml><?xml version="1.0" encoding="utf-8"?>
 <p:sld xmlns:a="http://schemas.openxmlformats.org/drawingml/2006/main" xmlns:r="http://schemas.openxmlformats.org/officeDocument/2006/relationships" xmlns:p="http://schemas.openxmlformats.org/presentationml/2006/main">
   <p:cSld>
@@ -22885,10 +23126,8 @@
           <a:lstStyle/>
           <a:p>
             <a:r>
-              <a:rPr lang="ja-JP" altLang="en-US" dirty="0"/>
-              <a:t>課題</a:t>
-            </a:r>
-            <a:endParaRPr dirty="0"/>
+              <a:t>全体共有とまとめ</a:t>
+            </a:r>
           </a:p>
         </p:txBody>
       </p:sp>
@@ -22902,188 +23141,66 @@
             <p:ph idx="1"/>
           </p:nvPr>
         </p:nvSpPr>
-        <p:spPr>
-          <a:xfrm>
-            <a:off x="344020" y="1806284"/>
-            <a:ext cx="8799980" cy="3659876"/>
-          </a:xfrm>
-        </p:spPr>
+        <p:spPr/>
         <p:txBody>
           <a:bodyPr/>
           <a:lstStyle/>
           <a:p>
             <a:r>
-              <a:rPr lang="en-US" sz="2100" dirty="0"/>
-              <a:t>students_data.csv</a:t>
-            </a:r>
-            <a:r>
-              <a:rPr lang="ja-JP" altLang="en-US" sz="2100" dirty="0"/>
-              <a:t>を使って、</a:t>
-            </a:r>
-            <a:br>
-              <a:rPr lang="en-US" altLang="ja-JP" sz="2100" dirty="0"/>
-            </a:br>
-            <a:r>
-              <a:rPr sz="2100" dirty="0" err="1"/>
-              <a:t>勉強・睡眠・スマホ</a:t>
-            </a:r>
-            <a:r>
-              <a:rPr lang="ja-JP" altLang="en-US" sz="2100" dirty="0"/>
-              <a:t>時間</a:t>
-            </a:r>
-            <a:r>
-              <a:rPr sz="2100" dirty="0"/>
-              <a:t>・</a:t>
-            </a:r>
-            <a:r>
-              <a:rPr sz="2100" dirty="0" err="1"/>
-              <a:t>得点を同時に表示</a:t>
-            </a:r>
-            <a:r>
-              <a:rPr lang="ja-JP" altLang="en-US" sz="2100" dirty="0"/>
-              <a:t>するパラレル座標プロットを生成して、そのトレンドをメモして。（生成ＡＩ利用可）</a:t>
-            </a:r>
-            <a:endParaRPr lang="en-US" sz="2100" dirty="0"/>
+              <a:rPr lang="ja-JP" altLang="en-US" dirty="0">
+                <a:latin typeface="+mn-ea"/>
+              </a:rPr>
+              <a:t>データ可視化の意義</a:t>
+            </a:r>
+            <a:endParaRPr lang="en-US" altLang="ja-JP" dirty="0">
+              <a:latin typeface="+mn-ea"/>
+            </a:endParaRPr>
+          </a:p>
+          <a:p>
+            <a:r>
+              <a:rPr lang="en-US" altLang="ja-JP" dirty="0">
+                <a:latin typeface="+mn-ea"/>
+              </a:rPr>
+              <a:t>D3.js</a:t>
+            </a:r>
+            <a:r>
+              <a:rPr lang="ja-JP" altLang="en-US" dirty="0">
+                <a:latin typeface="+mn-ea"/>
+              </a:rPr>
+              <a:t>でデータ可視化の基本</a:t>
+            </a:r>
+            <a:endParaRPr lang="en-US" altLang="ja-JP" dirty="0">
+              <a:latin typeface="+mn-ea"/>
+            </a:endParaRPr>
+          </a:p>
+          <a:p>
+            <a:r>
+              <a:rPr lang="ja-JP" altLang="en-US" dirty="0">
+                <a:latin typeface="+mn-ea"/>
+              </a:rPr>
+              <a:t>生成</a:t>
+            </a:r>
+            <a:r>
+              <a:rPr lang="en-US" altLang="ja-JP" dirty="0">
+                <a:latin typeface="+mn-ea"/>
+              </a:rPr>
+              <a:t>AI</a:t>
+            </a:r>
+            <a:r>
+              <a:rPr lang="ja-JP" altLang="en-US" dirty="0">
+                <a:latin typeface="+mn-ea"/>
+              </a:rPr>
+              <a:t>でのデータ可視化</a:t>
+            </a:r>
+            <a:endParaRPr lang="en-US" altLang="ja-JP" dirty="0">
+              <a:latin typeface="+mn-ea"/>
+            </a:endParaRPr>
           </a:p>
           <a:p>
             <a:pPr marL="0" indent="0">
               <a:buNone/>
             </a:pPr>
-            <a:endParaRPr lang="en-US" altLang="ja-JP" sz="2100" dirty="0"/>
-          </a:p>
-          <a:p>
-            <a:pPr marL="0" indent="0">
-              <a:buNone/>
-            </a:pPr>
-            <a:r>
-              <a:rPr lang="ja-JP" altLang="en-US" sz="2100" dirty="0"/>
-              <a:t>プロンプト：</a:t>
-            </a:r>
-            <a:endParaRPr lang="en-US" altLang="ja-JP" sz="2100" dirty="0"/>
-          </a:p>
-          <a:p>
-            <a:pPr marL="0" indent="0">
-              <a:buNone/>
-            </a:pPr>
-            <a:r>
-              <a:rPr lang="ja-JP" altLang="en-US" sz="2100" dirty="0">
-                <a:solidFill>
-                  <a:srgbClr val="0070C0"/>
-                </a:solidFill>
-              </a:rPr>
-              <a:t>１．勉強・睡眠・スマホ利用時間・得点を同時に表示するパラレル座標を生成して。</a:t>
-            </a:r>
-            <a:endParaRPr lang="en-US" altLang="ja-JP" sz="2100" dirty="0">
-              <a:solidFill>
-                <a:srgbClr val="0070C0"/>
-              </a:solidFill>
-            </a:endParaRPr>
-          </a:p>
-          <a:p>
-            <a:pPr marL="0" indent="0">
-              <a:buNone/>
-            </a:pPr>
-            <a:r>
-              <a:rPr lang="ja-JP" altLang="en-US" sz="2100" dirty="0">
-                <a:solidFill>
-                  <a:srgbClr val="0070C0"/>
-                </a:solidFill>
-              </a:rPr>
-              <a:t>２．パラレル座標のストリーテリングを生成して。</a:t>
-            </a:r>
-            <a:endParaRPr lang="en-US" altLang="ja-JP" sz="2100" dirty="0">
-              <a:solidFill>
-                <a:srgbClr val="0070C0"/>
-              </a:solidFill>
-            </a:endParaRPr>
-          </a:p>
-          <a:p>
-            <a:pPr marL="0" indent="0">
-              <a:buNone/>
-            </a:pPr>
-            <a:endParaRPr sz="2100" dirty="0"/>
-          </a:p>
-        </p:txBody>
-      </p:sp>
-      <p:pic>
-        <p:nvPicPr>
-          <p:cNvPr id="4" name="Picture 2">
-            <a:extLst>
-              <a:ext uri="{FF2B5EF4-FFF2-40B4-BE49-F238E27FC236}">
-                <a16:creationId xmlns:a16="http://schemas.microsoft.com/office/drawing/2014/main" id="{3A3949A9-57F1-F5D5-2DC2-F408FB764FEC}"/>
-              </a:ext>
-            </a:extLst>
-          </p:cNvPr>
-          <p:cNvPicPr>
-            <a:picLocks noChangeAspect="1" noChangeArrowheads="1"/>
-          </p:cNvPicPr>
-          <p:nvPr/>
-        </p:nvPicPr>
-        <p:blipFill>
-          <a:blip r:embed="rId3">
-            <a:extLst>
-              <a:ext uri="{28A0092B-C50C-407E-A947-70E740481C1C}">
-                <a14:useLocalDpi xmlns:a14="http://schemas.microsoft.com/office/drawing/2010/main" val="0"/>
-              </a:ext>
-            </a:extLst>
-          </a:blip>
-          <a:srcRect/>
-          <a:stretch>
-            <a:fillRect/>
-          </a:stretch>
-        </p:blipFill>
-        <p:spPr bwMode="auto">
-          <a:xfrm>
-            <a:off x="1883979" y="5231360"/>
-            <a:ext cx="1943100" cy="1261139"/>
-          </a:xfrm>
-          <a:prstGeom prst="rect">
-            <a:avLst/>
-          </a:prstGeom>
-          <a:noFill/>
-          <a:extLst>
-            <a:ext uri="{909E8E84-426E-40DD-AFC4-6F175D3DCCD1}">
-              <a14:hiddenFill xmlns:a14="http://schemas.microsoft.com/office/drawing/2010/main">
-                <a:solidFill>
-                  <a:srgbClr val="FFFFFF"/>
-                </a:solidFill>
-              </a14:hiddenFill>
-            </a:ext>
-          </a:extLst>
-        </p:spPr>
-      </p:pic>
-      <p:sp>
-        <p:nvSpPr>
-          <p:cNvPr id="6" name="テキスト ボックス 5">
-            <a:extLst>
-              <a:ext uri="{FF2B5EF4-FFF2-40B4-BE49-F238E27FC236}">
-                <a16:creationId xmlns:a16="http://schemas.microsoft.com/office/drawing/2014/main" id="{E8EEF548-09CA-5A39-233C-BFF8405809B6}"/>
-              </a:ext>
-            </a:extLst>
-          </p:cNvPr>
-          <p:cNvSpPr txBox="1"/>
-          <p:nvPr/>
-        </p:nvSpPr>
-        <p:spPr>
-          <a:xfrm>
-            <a:off x="457200" y="5620006"/>
-            <a:ext cx="4570496" cy="415498"/>
-          </a:xfrm>
-          <a:prstGeom prst="rect">
-            <a:avLst/>
-          </a:prstGeom>
-          <a:noFill/>
-        </p:spPr>
-        <p:txBody>
-          <a:bodyPr wrap="square">
-            <a:spAutoFit/>
-          </a:bodyPr>
-          <a:lstStyle/>
-          <a:p>
-            <a:r>
-              <a:rPr lang="ja-JP" altLang="en-US" sz="2100" dirty="0"/>
-              <a:t>生成例：</a:t>
-            </a:r>
+            <a:endParaRPr dirty="0"/>
           </a:p>
         </p:txBody>
       </p:sp>
@@ -23427,6 +23544,249 @@
   </p:cSld>
   <p:clrMapOvr>
     <a:overrideClrMapping bg1="lt1" tx1="dk1" bg2="lt2" tx2="dk2" accent1="accent1" accent2="accent2" accent3="accent3" accent4="accent4" accent5="accent5" accent6="accent6" hlink="hlink" folHlink="folHlink"/>
+  </p:clrMapOvr>
+</p:sld>
+</file>
+
+<file path=ppt/slides/slide30.xml><?xml version="1.0" encoding="utf-8"?>
+<p:sld xmlns:a="http://schemas.openxmlformats.org/drawingml/2006/main" xmlns:r="http://schemas.openxmlformats.org/officeDocument/2006/relationships" xmlns:p="http://schemas.openxmlformats.org/presentationml/2006/main">
+  <p:cSld>
+    <p:spTree>
+      <p:nvGrpSpPr>
+        <p:cNvPr id="1" name=""/>
+        <p:cNvGrpSpPr/>
+        <p:nvPr/>
+      </p:nvGrpSpPr>
+      <p:grpSpPr>
+        <a:xfrm>
+          <a:off x="0" y="0"/>
+          <a:ext cx="0" cy="0"/>
+          <a:chOff x="0" y="0"/>
+          <a:chExt cx="0" cy="0"/>
+        </a:xfrm>
+      </p:grpSpPr>
+      <p:sp>
+        <p:nvSpPr>
+          <p:cNvPr id="2" name="Title 1"/>
+          <p:cNvSpPr>
+            <a:spLocks noGrp="1"/>
+          </p:cNvSpPr>
+          <p:nvPr>
+            <p:ph type="title"/>
+          </p:nvPr>
+        </p:nvSpPr>
+        <p:spPr/>
+        <p:txBody>
+          <a:bodyPr/>
+          <a:lstStyle/>
+          <a:p>
+            <a:r>
+              <a:rPr lang="ja-JP" altLang="en-US" dirty="0"/>
+              <a:t>課題</a:t>
+            </a:r>
+            <a:endParaRPr dirty="0"/>
+          </a:p>
+        </p:txBody>
+      </p:sp>
+      <p:sp>
+        <p:nvSpPr>
+          <p:cNvPr id="3" name="Content Placeholder 2"/>
+          <p:cNvSpPr>
+            <a:spLocks noGrp="1"/>
+          </p:cNvSpPr>
+          <p:nvPr>
+            <p:ph idx="1"/>
+          </p:nvPr>
+        </p:nvSpPr>
+        <p:spPr>
+          <a:xfrm>
+            <a:off x="344020" y="1806284"/>
+            <a:ext cx="8799980" cy="3659876"/>
+          </a:xfrm>
+        </p:spPr>
+        <p:txBody>
+          <a:bodyPr/>
+          <a:lstStyle/>
+          <a:p>
+            <a:r>
+              <a:rPr lang="en-US" sz="2100" dirty="0"/>
+              <a:t>students_data.csv</a:t>
+            </a:r>
+            <a:r>
+              <a:rPr lang="ja-JP" altLang="en-US" sz="2100" dirty="0"/>
+              <a:t>を使って、</a:t>
+            </a:r>
+            <a:br>
+              <a:rPr lang="en-US" altLang="ja-JP" sz="2100" dirty="0"/>
+            </a:br>
+            <a:r>
+              <a:rPr sz="2100" dirty="0" err="1"/>
+              <a:t>勉強・睡眠・スマホ</a:t>
+            </a:r>
+            <a:r>
+              <a:rPr lang="ja-JP" altLang="en-US" sz="2100" dirty="0"/>
+              <a:t>時間</a:t>
+            </a:r>
+            <a:r>
+              <a:rPr sz="2100" dirty="0"/>
+              <a:t>・</a:t>
+            </a:r>
+            <a:r>
+              <a:rPr sz="2100" dirty="0" err="1"/>
+              <a:t>得点を同時に表示</a:t>
+            </a:r>
+            <a:r>
+              <a:rPr lang="ja-JP" altLang="en-US" sz="2100" dirty="0"/>
+              <a:t>するパラレル座標プロットを生成して、そのトレンドをメモして。（生成ＡＩ利用可）</a:t>
+            </a:r>
+            <a:endParaRPr lang="en-US" sz="2100" dirty="0"/>
+          </a:p>
+          <a:p>
+            <a:pPr marL="0" indent="0">
+              <a:buNone/>
+            </a:pPr>
+            <a:endParaRPr lang="en-US" altLang="ja-JP" sz="2100" dirty="0"/>
+          </a:p>
+          <a:p>
+            <a:pPr marL="0" indent="0">
+              <a:buNone/>
+            </a:pPr>
+            <a:r>
+              <a:rPr lang="ja-JP" altLang="en-US" sz="2100" dirty="0"/>
+              <a:t>プロンプト：</a:t>
+            </a:r>
+            <a:endParaRPr lang="en-US" altLang="ja-JP" sz="2100" dirty="0"/>
+          </a:p>
+          <a:p>
+            <a:pPr marL="0" indent="0">
+              <a:buNone/>
+            </a:pPr>
+            <a:r>
+              <a:rPr lang="ja-JP" altLang="en-US" sz="2100" dirty="0">
+                <a:solidFill>
+                  <a:srgbClr val="0070C0"/>
+                </a:solidFill>
+              </a:rPr>
+              <a:t>１．勉強・睡眠・スマホ利用時間・得点を同時に表示するパラレル座標を生成して。</a:t>
+            </a:r>
+            <a:endParaRPr lang="en-US" altLang="ja-JP" sz="2100" dirty="0">
+              <a:solidFill>
+                <a:srgbClr val="0070C0"/>
+              </a:solidFill>
+            </a:endParaRPr>
+          </a:p>
+          <a:p>
+            <a:pPr marL="0" indent="0">
+              <a:buNone/>
+            </a:pPr>
+            <a:r>
+              <a:rPr lang="ja-JP" altLang="en-US" sz="2100" dirty="0">
+                <a:solidFill>
+                  <a:srgbClr val="0070C0"/>
+                </a:solidFill>
+              </a:rPr>
+              <a:t>２．パラレル座標のストリーテリングを生成して。</a:t>
+            </a:r>
+            <a:endParaRPr lang="en-US" altLang="ja-JP" sz="2100" dirty="0">
+              <a:solidFill>
+                <a:srgbClr val="0070C0"/>
+              </a:solidFill>
+            </a:endParaRPr>
+          </a:p>
+          <a:p>
+            <a:pPr marL="0" indent="0">
+              <a:buNone/>
+            </a:pPr>
+            <a:endParaRPr sz="2100" dirty="0"/>
+          </a:p>
+        </p:txBody>
+      </p:sp>
+      <p:pic>
+        <p:nvPicPr>
+          <p:cNvPr id="4" name="Picture 2">
+            <a:extLst>
+              <a:ext uri="{FF2B5EF4-FFF2-40B4-BE49-F238E27FC236}">
+                <a16:creationId xmlns:a16="http://schemas.microsoft.com/office/drawing/2014/main" id="{3A3949A9-57F1-F5D5-2DC2-F408FB764FEC}"/>
+              </a:ext>
+            </a:extLst>
+          </p:cNvPr>
+          <p:cNvPicPr>
+            <a:picLocks noChangeAspect="1" noChangeArrowheads="1"/>
+          </p:cNvPicPr>
+          <p:nvPr/>
+        </p:nvPicPr>
+        <p:blipFill>
+          <a:blip r:embed="rId3">
+            <a:extLst>
+              <a:ext uri="{28A0092B-C50C-407E-A947-70E740481C1C}">
+                <a14:useLocalDpi xmlns:a14="http://schemas.microsoft.com/office/drawing/2010/main" val="0"/>
+              </a:ext>
+            </a:extLst>
+          </a:blip>
+          <a:srcRect/>
+          <a:stretch>
+            <a:fillRect/>
+          </a:stretch>
+        </p:blipFill>
+        <p:spPr bwMode="auto">
+          <a:xfrm>
+            <a:off x="1883979" y="5231360"/>
+            <a:ext cx="1943100" cy="1261139"/>
+          </a:xfrm>
+          <a:prstGeom prst="rect">
+            <a:avLst/>
+          </a:prstGeom>
+          <a:noFill/>
+          <a:extLst>
+            <a:ext uri="{909E8E84-426E-40DD-AFC4-6F175D3DCCD1}">
+              <a14:hiddenFill xmlns:a14="http://schemas.microsoft.com/office/drawing/2010/main">
+                <a:solidFill>
+                  <a:srgbClr val="FFFFFF"/>
+                </a:solidFill>
+              </a14:hiddenFill>
+            </a:ext>
+          </a:extLst>
+        </p:spPr>
+      </p:pic>
+      <p:sp>
+        <p:nvSpPr>
+          <p:cNvPr id="6" name="テキスト ボックス 5">
+            <a:extLst>
+              <a:ext uri="{FF2B5EF4-FFF2-40B4-BE49-F238E27FC236}">
+                <a16:creationId xmlns:a16="http://schemas.microsoft.com/office/drawing/2014/main" id="{E8EEF548-09CA-5A39-233C-BFF8405809B6}"/>
+              </a:ext>
+            </a:extLst>
+          </p:cNvPr>
+          <p:cNvSpPr txBox="1"/>
+          <p:nvPr/>
+        </p:nvSpPr>
+        <p:spPr>
+          <a:xfrm>
+            <a:off x="457200" y="5620006"/>
+            <a:ext cx="4570496" cy="415498"/>
+          </a:xfrm>
+          <a:prstGeom prst="rect">
+            <a:avLst/>
+          </a:prstGeom>
+          <a:noFill/>
+        </p:spPr>
+        <p:txBody>
+          <a:bodyPr wrap="square">
+            <a:spAutoFit/>
+          </a:bodyPr>
+          <a:lstStyle/>
+          <a:p>
+            <a:r>
+              <a:rPr lang="ja-JP" altLang="en-US" sz="2100" dirty="0"/>
+              <a:t>生成例：</a:t>
+            </a:r>
+          </a:p>
+        </p:txBody>
+      </p:sp>
+    </p:spTree>
+  </p:cSld>
+  <p:clrMapOvr>
+    <a:masterClrMapping/>
   </p:clrMapOvr>
 </p:sld>
 </file>
